--- a/PosterPresentation CA3.pptx
+++ b/PosterPresentation CA3.pptx
@@ -6504,59 +6504,41 @@
             <p:ph type="body" sz="quarter" idx="10"/>
           </p:nvPr>
         </p:nvSpPr>
-        <p:spPr/>
+        <p:spPr>
+          <a:xfrm>
+            <a:off x="440616" y="5642381"/>
+            <a:ext cx="10101856" cy="5799663"/>
+          </a:xfrm>
+        </p:spPr>
         <p:txBody>
           <a:bodyPr/>
           <a:lstStyle/>
           <a:p>
-            <a:pPr indent="457200" algn="just">
-              <a:lnSpc>
-                <a:spcPct val="107000"/>
-              </a:lnSpc>
-              <a:spcAft>
-                <a:spcPts val="800"/>
-              </a:spcAft>
-            </a:pPr>
+            <a:pPr algn="just"/>
             <a:r>
-              <a:rPr lang="en-IE" sz="2400" kern="100" dirty="0">
-                <a:effectLst/>
+              <a:rPr lang="en-GB" sz="2800" kern="100" dirty="0">
                 <a:latin typeface="Arial" panose="020B0604020202020204" pitchFamily="34" charset="0"/>
-                <a:ea typeface="Aptos" panose="020B0004020202020204" pitchFamily="34" charset="0"/>
-                <a:cs typeface="Times New Roman" panose="02020603050405020304" pitchFamily="18" charset="0"/>
               </a:rPr>
-              <a:t>Agriculture is a complex sector that involves different driving parameters (environmental, economic, and social). Agricultural production is now known to be highly sensitive to climate change (Easterling et al., 2007).</a:t>
+              <a:t>Agriculture is highly sensitive to climate change, with extreme weather events, disrupting seasonal patterns and destabilizing production. These disruptions not only affect grain supply but also drive price volatility.</a:t>
             </a:r>
-            <a:endParaRPr lang="en-GB" sz="2400" kern="100" dirty="0">
-              <a:effectLst/>
-              <a:latin typeface="Calibri" panose="020F0502020204030204" pitchFamily="34" charset="0"/>
-              <a:ea typeface="Aptos" panose="020B0004020202020204" pitchFamily="34" charset="0"/>
-              <a:cs typeface="Times New Roman" panose="02020603050405020304" pitchFamily="18" charset="0"/>
-            </a:endParaRPr>
           </a:p>
           <a:p>
-            <a:pPr indent="457200" algn="just">
-              <a:lnSpc>
-                <a:spcPct val="107000"/>
-              </a:lnSpc>
-              <a:spcAft>
-                <a:spcPts val="800"/>
-              </a:spcAft>
-            </a:pPr>
+            <a:pPr algn="just"/>
             <a:r>
-              <a:rPr lang="en-IE" sz="2400" kern="100" dirty="0">
-                <a:effectLst/>
+              <a:rPr lang="en-GB" sz="2800" kern="100" dirty="0">
                 <a:latin typeface="Arial" panose="020B0604020202020204" pitchFamily="34" charset="0"/>
-                <a:ea typeface="Aptos" panose="020B0004020202020204" pitchFamily="34" charset="0"/>
-                <a:cs typeface="Times New Roman" panose="02020603050405020304" pitchFamily="18" charset="0"/>
               </a:rPr>
-              <a:t>Climate change affects all agricultural sectors in a multitude of ways that vary from region to region, reducing the predictability of seasonal weather patterns and increasing the frequency and intensity of extreme weather events, such as floods, cyclones, and heatwaves (Food and Agriculture Organization, FAO, 2011).</a:t>
+              <a:t>This  extends this understanding by examining the broader economic consequences of weather events, particularly their influence on financial markets, through how it affect the performance of stock market, and analysing the relationship between them.</a:t>
             </a:r>
-            <a:endParaRPr lang="en-GB" sz="2400" kern="100" dirty="0">
-              <a:effectLst/>
-              <a:latin typeface="Calibri" panose="020F0502020204030204" pitchFamily="34" charset="0"/>
-              <a:ea typeface="Aptos" panose="020B0004020202020204" pitchFamily="34" charset="0"/>
-              <a:cs typeface="Times New Roman" panose="02020603050405020304" pitchFamily="18" charset="0"/>
-            </a:endParaRPr>
+          </a:p>
+          <a:p>
+            <a:pPr algn="just"/>
+            <a:r>
+              <a:rPr lang="en-GB" sz="2800" kern="100" dirty="0">
+                <a:latin typeface="Arial" panose="020B0604020202020204" pitchFamily="34" charset="0"/>
+              </a:rPr>
+              <a:t>By integrating insights from agriculture and financial markets, this research aims to advance decision-making forescat and predictions, providing actionable intelligence to investors and risk managers.</a:t>
+            </a:r>
           </a:p>
           <a:p>
             <a:endParaRPr lang="en-US" dirty="0"/>
@@ -6610,7 +6592,7 @@
         </p:nvSpPr>
         <p:spPr>
           <a:xfrm>
-            <a:off x="440616" y="9546105"/>
+            <a:off x="440616" y="12011651"/>
             <a:ext cx="10096349" cy="566030"/>
           </a:xfrm>
         </p:spPr>
@@ -6694,16 +6676,21 @@
             <p:ph type="body" sz="quarter" idx="27"/>
           </p:nvPr>
         </p:nvSpPr>
-        <p:spPr/>
+        <p:spPr>
+          <a:xfrm>
+            <a:off x="440616" y="18730768"/>
+            <a:ext cx="10090978" cy="620293"/>
+          </a:xfrm>
+        </p:spPr>
         <p:txBody>
           <a:bodyPr/>
           <a:lstStyle/>
           <a:p>
             <a:r>
-              <a:rPr lang="en-GB" dirty="0"/>
+              <a:rPr lang="en-GB" sz="3200" dirty="0"/>
               <a:t>METHODOLOGY AND MATERIALS</a:t>
             </a:r>
-            <a:endParaRPr lang="en-US" dirty="0"/>
+            <a:endParaRPr lang="en-US" sz="3200" dirty="0"/>
           </a:p>
         </p:txBody>
       </p:sp>
@@ -6723,12 +6710,31 @@
             <p:ph type="body" sz="quarter" idx="28"/>
           </p:nvPr>
         </p:nvSpPr>
-        <p:spPr/>
+        <p:spPr>
+          <a:xfrm>
+            <a:off x="436747" y="19584486"/>
+            <a:ext cx="10094847" cy="6290490"/>
+          </a:xfrm>
+        </p:spPr>
         <p:txBody>
           <a:bodyPr/>
           <a:lstStyle/>
           <a:p>
-            <a:endParaRPr lang="en-GB"/>
+            <a:pPr algn="just"/>
+            <a:r>
+              <a:rPr lang="en-GB" sz="2800" kern="100" dirty="0">
+                <a:latin typeface="Arial" panose="020B0604020202020204" pitchFamily="34" charset="0"/>
+                <a:cs typeface="Arial" panose="020B0604020202020204" pitchFamily="34" charset="0"/>
+              </a:rPr>
+              <a:t>The methodology involves collecting and preprocessing historical data on weather and stock market, ensuring clean and normalized datasets aligned over time. Exploratory Data Analysis (EDA) is conducted to uncover patterns and relationships between weather events and stock market performance. We then apply various modelling approaches: ARIMA and SARIMA to capture time-series trends and seasonality, while Linear Regression and Random Forest Regressor captures actual and predicted values. Models are evaluated using metrics like MAE, RMSE, and R-squared, with cross-validation and hyperparameter tuning enhancing performance. Finally, a forescat is performed to understand and predict the economic impacts of extreme weather.</a:t>
+            </a:r>
+            <a:endParaRPr lang="en-IE" sz="2800" kern="100" dirty="0">
+              <a:latin typeface="Arial" panose="020B0604020202020204" pitchFamily="34" charset="0"/>
+              <a:cs typeface="Arial" panose="020B0604020202020204" pitchFamily="34" charset="0"/>
+            </a:endParaRPr>
+          </a:p>
+          <a:p>
+            <a:endParaRPr lang="en-GB" dirty="0"/>
           </a:p>
         </p:txBody>
       </p:sp>
@@ -6803,20 +6809,43 @@
         </p:nvSpPr>
         <p:spPr>
           <a:xfrm>
-            <a:off x="434237" y="10182261"/>
-            <a:ext cx="10102728" cy="634878"/>
+            <a:off x="456472" y="12528091"/>
+            <a:ext cx="9782750" cy="6854106"/>
           </a:xfrm>
         </p:spPr>
         <p:txBody>
           <a:bodyPr/>
           <a:lstStyle/>
           <a:p>
+            <a:pPr algn="just"/>
+            <a:endParaRPr lang="en-IE" sz="2800" dirty="0">
+              <a:latin typeface="Arial" panose="020B0604020202020204" pitchFamily="34" charset="0"/>
+              <a:cs typeface="Arial" panose="020B0604020202020204" pitchFamily="34" charset="0"/>
+            </a:endParaRPr>
+          </a:p>
+          <a:p>
+            <a:pPr algn="just"/>
+            <a:r>
+              <a:rPr lang="en-IE" sz="2800" dirty="0">
+                <a:latin typeface="Arial" panose="020B0604020202020204" pitchFamily="34" charset="0"/>
+                <a:cs typeface="Arial" panose="020B0604020202020204" pitchFamily="34" charset="0"/>
+              </a:rPr>
+              <a:t>The 3  points below represent the core focus of the entire study:</a:t>
+            </a:r>
+            <a:endParaRPr lang="en-IE" sz="2800" kern="100" dirty="0">
+              <a:effectLst/>
+              <a:latin typeface="Arial" panose="020B0604020202020204" pitchFamily="34" charset="0"/>
+              <a:ea typeface="Aptos" panose="020B0004020202020204" pitchFamily="34" charset="0"/>
+              <a:cs typeface="Times New Roman" panose="02020603050405020304" pitchFamily="18" charset="0"/>
+            </a:endParaRPr>
+          </a:p>
+          <a:p>
             <a:pPr marL="342900" lvl="0" indent="-342900" algn="just">
               <a:buFont typeface="+mj-lt"/>
               <a:buAutoNum type="arabicPeriod"/>
             </a:pPr>
             <a:r>
-              <a:rPr lang="en-IE" sz="2400" kern="100" dirty="0">
+              <a:rPr lang="en-IE" sz="2800" kern="100" dirty="0">
                 <a:effectLst/>
                 <a:latin typeface="Arial" panose="020B0604020202020204" pitchFamily="34" charset="0"/>
                 <a:ea typeface="Aptos" panose="020B0004020202020204" pitchFamily="34" charset="0"/>
@@ -6824,7 +6853,7 @@
               </a:rPr>
               <a:t>Examine the Impact of Weather Events on Stock Market Performance, analysing how some specific weather conditions influence in stock market  returns over time.</a:t>
             </a:r>
-            <a:endParaRPr lang="en-GB" sz="2400" kern="100" dirty="0">
+            <a:endParaRPr lang="en-GB" sz="2800" kern="100" dirty="0">
               <a:effectLst/>
               <a:latin typeface="Calibri" panose="020F0502020204030204" pitchFamily="34" charset="0"/>
               <a:ea typeface="Aptos" panose="020B0004020202020204" pitchFamily="34" charset="0"/>
@@ -6837,7 +6866,7 @@
               <a:buAutoNum type="arabicPeriod"/>
             </a:pPr>
             <a:r>
-              <a:rPr lang="en-IE" sz="2400" kern="100" dirty="0">
+              <a:rPr lang="en-IE" sz="2800" kern="100" dirty="0">
                 <a:effectLst/>
                 <a:latin typeface="Arial" panose="020B0604020202020204" pitchFamily="34" charset="0"/>
                 <a:ea typeface="Aptos" panose="020B0004020202020204" pitchFamily="34" charset="0"/>
@@ -6845,7 +6874,7 @@
               </a:rPr>
               <a:t>Analyse  the causal relationships between time series data points and external factors to identify key drivers of changes in the data, such as weather factors.</a:t>
             </a:r>
-            <a:endParaRPr lang="en-GB" sz="2400" kern="100" dirty="0">
+            <a:endParaRPr lang="en-GB" sz="2800" kern="100" dirty="0">
               <a:effectLst/>
               <a:latin typeface="Calibri" panose="020F0502020204030204" pitchFamily="34" charset="0"/>
               <a:ea typeface="Aptos" panose="020B0004020202020204" pitchFamily="34" charset="0"/>
@@ -6858,7 +6887,7 @@
               <a:buAutoNum type="arabicPeriod"/>
             </a:pPr>
             <a:r>
-              <a:rPr lang="en-IE" sz="2400" kern="100" dirty="0">
+              <a:rPr lang="en-IE" sz="2800" kern="100" dirty="0">
                 <a:effectLst/>
                 <a:latin typeface="Arial" panose="020B0604020202020204" pitchFamily="34" charset="0"/>
                 <a:ea typeface="Aptos" panose="020B0004020202020204" pitchFamily="34" charset="0"/>
@@ -6866,7 +6895,7 @@
               </a:rPr>
               <a:t>Test and compare different machine algorithm models  to assess their accuracy in forecasting or capturing the underlying structure of the data.</a:t>
             </a:r>
-            <a:endParaRPr lang="en-GB" sz="2400" kern="100" dirty="0">
+            <a:endParaRPr lang="en-GB" sz="2800" kern="100" dirty="0">
               <a:effectLst/>
               <a:latin typeface="Calibri" panose="020F0502020204030204" pitchFamily="34" charset="0"/>
               <a:ea typeface="Aptos" panose="020B0004020202020204" pitchFamily="34" charset="0"/>
@@ -6883,7 +6912,7 @@
               </a:spcAft>
             </a:pPr>
             <a:r>
-              <a:rPr lang="en-GB" sz="1800" kern="100" dirty="0">
+              <a:rPr lang="en-GB" sz="2800" kern="100" dirty="0">
                 <a:effectLst/>
                 <a:latin typeface="Calibri" panose="020F0502020204030204" pitchFamily="34" charset="0"/>
                 <a:ea typeface="Aptos" panose="020B0004020202020204" pitchFamily="34" charset="0"/>
@@ -6891,7 +6920,7 @@
               </a:rPr>
               <a:t> </a:t>
             </a:r>
-            <a:endParaRPr lang="en-GB" sz="1800" kern="100" dirty="0">
+            <a:endParaRPr lang="en-GB" sz="2800" kern="100" dirty="0">
               <a:effectLst/>
               <a:latin typeface="Calibri" panose="020F0502020204030204" pitchFamily="34" charset="0"/>
               <a:ea typeface="Aptos" panose="020B0004020202020204" pitchFamily="34" charset="0"/>
@@ -6921,8 +6950,16 @@
         </p:nvSpPr>
         <p:spPr/>
         <p:txBody>
-          <a:bodyPr/>
+          <a:bodyPr>
+            <a:normAutofit lnSpcReduction="10000"/>
+          </a:bodyPr>
           <a:lstStyle/>
+          <a:p>
+            <a:r>
+              <a:rPr lang="en-GB" sz="3600" dirty="0"/>
+              <a:t>Higher Diploma in Science in Data Analytics for Business</a:t>
+            </a:r>
+          </a:p>
           <a:p>
             <a:endParaRPr lang="en-GB" dirty="0"/>
           </a:p>
@@ -6944,14 +6981,19 @@
             <p:ph type="body" sz="quarter" idx="151"/>
           </p:nvPr>
         </p:nvSpPr>
-        <p:spPr/>
+        <p:spPr>
+          <a:xfrm>
+            <a:off x="2890078" y="1766674"/>
+            <a:ext cx="15608232" cy="769233"/>
+          </a:xfrm>
+        </p:spPr>
         <p:txBody>
           <a:bodyPr/>
           <a:lstStyle/>
           <a:p>
             <a:r>
               <a:rPr lang="en-GB" dirty="0"/>
-              <a:t>ROSEMARY DEJESUS RAMIREZ CORDS</a:t>
+              <a:t>Rosemary Dejesus Ramirez Cords</a:t>
             </a:r>
           </a:p>
         </p:txBody>
@@ -6975,23 +7017,15 @@
         <p:spPr/>
         <p:txBody>
           <a:bodyPr>
-            <a:normAutofit fontScale="70000" lnSpcReduction="20000"/>
+            <a:noAutofit/>
           </a:bodyPr>
           <a:lstStyle/>
           <a:p>
             <a:r>
-              <a:rPr lang="en-GB" dirty="0"/>
-              <a:t>"Evaluating the Impact of Weather Conditions on Agricultural </a:t>
+              <a:rPr lang="en-GB" sz="4000" dirty="0"/>
+              <a:t>"Evaluating the Impact of Weather Conditions on Agricultural Stock Market Performance Using Time Series Forecasting""</a:t>
             </a:r>
-            <a:r>
-              <a:rPr lang="en-GB"/>
-              <a:t>Stock Market Performance </a:t>
-            </a:r>
-            <a:r>
-              <a:rPr lang="en-GB" dirty="0"/>
-              <a:t>Using Time Series Forecasting""</a:t>
-            </a:r>
-            <a:endParaRPr lang="en-US" dirty="0"/>
+            <a:endParaRPr lang="en-US" sz="4000" dirty="0"/>
           </a:p>
         </p:txBody>
       </p:sp>

--- a/PosterPresentation CA3.pptx
+++ b/PosterPresentation CA3.pptx
@@ -6845,13 +6845,22 @@
               <a:buAutoNum type="arabicPeriod"/>
             </a:pPr>
             <a:r>
+              <a:rPr lang="en-IE" sz="2800" kern="100">
+                <a:effectLst/>
+                <a:latin typeface="Arial" panose="020B0604020202020204" pitchFamily="34" charset="0"/>
+                <a:ea typeface="Aptos" panose="020B0004020202020204" pitchFamily="34" charset="0"/>
+                <a:cs typeface="Times New Roman" panose="02020603050405020304" pitchFamily="18" charset="0"/>
+              </a:rPr>
+              <a:t>Examine </a:t>
+            </a:r>
+            <a:r>
               <a:rPr lang="en-IE" sz="2800" kern="100" dirty="0">
                 <a:effectLst/>
                 <a:latin typeface="Arial" panose="020B0604020202020204" pitchFamily="34" charset="0"/>
                 <a:ea typeface="Aptos" panose="020B0004020202020204" pitchFamily="34" charset="0"/>
                 <a:cs typeface="Times New Roman" panose="02020603050405020304" pitchFamily="18" charset="0"/>
               </a:rPr>
-              <a:t>Examine the Impact of Weather Events on Stock Market Performance, analysing how some specific weather conditions influence in stock market  returns over time.</a:t>
+              <a:t>the Impact of Weather Events on Stock Market Performance, analysing how some specific weather conditions influence in stock market  returns over time.</a:t>
             </a:r>
             <a:endParaRPr lang="en-GB" sz="2800" kern="100" dirty="0">
               <a:effectLst/>

--- a/PosterPresentation CA3.pptx
+++ b/PosterPresentation CA3.pptx
@@ -250,7 +250,7 @@
             <a:fld id="{0158C5BC-9A70-462C-B28D-9600239EAC64}" type="datetimeFigureOut">
               <a:rPr lang="en-US" smtClean="0"/>
               <a:pPr/>
-              <a:t>11/7/2024</a:t>
+              <a:t>11/9/2024</a:t>
             </a:fld>
             <a:endParaRPr lang="en-US"/>
           </a:p>
@@ -417,7 +417,7 @@
             <a:fld id="{E6CC2317-6751-4CD4-9995-8782DD78E936}" type="datetimeFigureOut">
               <a:rPr lang="en-US" smtClean="0"/>
               <a:pPr/>
-              <a:t>11/7/2024</a:t>
+              <a:t>11/9/2024</a:t>
             </a:fld>
             <a:endParaRPr lang="en-US" dirty="0"/>
           </a:p>
@@ -685,6 +685,91 @@
     </a:lvl9pPr>
   </p:notesStyle>
 </p:notesMaster>
+</file>
+
+<file path=ppt/notesSlides/notesSlide1.xml><?xml version="1.0" encoding="utf-8"?>
+<p:notes xmlns:a="http://schemas.openxmlformats.org/drawingml/2006/main" xmlns:r="http://schemas.openxmlformats.org/officeDocument/2006/relationships" xmlns:p="http://schemas.openxmlformats.org/presentationml/2006/main">
+  <p:cSld>
+    <p:spTree>
+      <p:nvGrpSpPr>
+        <p:cNvPr id="1" name=""/>
+        <p:cNvGrpSpPr/>
+        <p:nvPr/>
+      </p:nvGrpSpPr>
+      <p:grpSpPr>
+        <a:xfrm>
+          <a:off x="0" y="0"/>
+          <a:ext cx="0" cy="0"/>
+          <a:chOff x="0" y="0"/>
+          <a:chExt cx="0" cy="0"/>
+        </a:xfrm>
+      </p:grpSpPr>
+      <p:sp>
+        <p:nvSpPr>
+          <p:cNvPr id="2" name="Slide Image Placeholder 1"/>
+          <p:cNvSpPr>
+            <a:spLocks noGrp="1" noRot="1" noChangeAspect="1"/>
+          </p:cNvSpPr>
+          <p:nvPr>
+            <p:ph type="sldImg"/>
+          </p:nvPr>
+        </p:nvSpPr>
+        <p:spPr/>
+      </p:sp>
+      <p:sp>
+        <p:nvSpPr>
+          <p:cNvPr id="3" name="Notes Placeholder 2"/>
+          <p:cNvSpPr>
+            <a:spLocks noGrp="1"/>
+          </p:cNvSpPr>
+          <p:nvPr>
+            <p:ph type="body" idx="1"/>
+          </p:nvPr>
+        </p:nvSpPr>
+        <p:spPr/>
+        <p:txBody>
+          <a:bodyPr/>
+          <a:lstStyle/>
+          <a:p>
+            <a:endParaRPr lang="en-GB" dirty="0"/>
+          </a:p>
+        </p:txBody>
+      </p:sp>
+      <p:sp>
+        <p:nvSpPr>
+          <p:cNvPr id="4" name="Slide Number Placeholder 3"/>
+          <p:cNvSpPr>
+            <a:spLocks noGrp="1"/>
+          </p:cNvSpPr>
+          <p:nvPr>
+            <p:ph type="sldNum" sz="quarter" idx="5"/>
+          </p:nvPr>
+        </p:nvSpPr>
+        <p:spPr/>
+        <p:txBody>
+          <a:bodyPr/>
+          <a:lstStyle/>
+          <a:p>
+            <a:fld id="{26A1A87D-CAF7-4BDC-A0D3-C0DBEDE81619}" type="slidenum">
+              <a:rPr lang="en-US" smtClean="0"/>
+              <a:pPr/>
+              <a:t>1</a:t>
+            </a:fld>
+            <a:endParaRPr lang="en-US" dirty="0"/>
+          </a:p>
+        </p:txBody>
+      </p:sp>
+    </p:spTree>
+    <p:extLst>
+      <p:ext uri="{BB962C8B-B14F-4D97-AF65-F5344CB8AC3E}">
+        <p14:creationId xmlns:p14="http://schemas.microsoft.com/office/powerpoint/2010/main" val="44502884"/>
+      </p:ext>
+    </p:extLst>
+  </p:cSld>
+  <p:clrMapOvr>
+    <a:masterClrMapping/>
+  </p:clrMapOvr>
+</p:notes>
 </file>
 
 <file path=ppt/slideLayouts/slideLayout1.xml><?xml version="1.0" encoding="utf-8"?>
@@ -6506,8 +6591,8 @@
         </p:nvSpPr>
         <p:spPr>
           <a:xfrm>
-            <a:off x="440616" y="5642381"/>
-            <a:ext cx="10101856" cy="5799663"/>
+            <a:off x="456472" y="5447056"/>
+            <a:ext cx="9940933" cy="3098889"/>
           </a:xfrm>
         </p:spPr>
         <p:txBody>
@@ -6516,7 +6601,7 @@
           <a:p>
             <a:pPr algn="just"/>
             <a:r>
-              <a:rPr lang="en-GB" sz="2800" kern="100" dirty="0">
+              <a:rPr lang="en-GB" kern="100" dirty="0">
                 <a:latin typeface="Arial" panose="020B0604020202020204" pitchFamily="34" charset="0"/>
               </a:rPr>
               <a:t>Agriculture is highly sensitive to climate change, with extreme weather events, disrupting seasonal patterns and destabilizing production. These disruptions not only affect grain supply but also drive price volatility.</a:t>
@@ -6525,7 +6610,7 @@
           <a:p>
             <a:pPr algn="just"/>
             <a:r>
-              <a:rPr lang="en-GB" sz="2800" kern="100" dirty="0">
+              <a:rPr lang="en-GB" kern="100" dirty="0">
                 <a:latin typeface="Arial" panose="020B0604020202020204" pitchFamily="34" charset="0"/>
               </a:rPr>
               <a:t>This  extends this understanding by examining the broader economic consequences of weather events, particularly their influence on financial markets, through how it affect the performance of stock market, and analysing the relationship between them.</a:t>
@@ -6534,7 +6619,7 @@
           <a:p>
             <a:pPr algn="just"/>
             <a:r>
-              <a:rPr lang="en-GB" sz="2800" kern="100" dirty="0">
+              <a:rPr lang="en-GB" kern="100" dirty="0">
                 <a:latin typeface="Arial" panose="020B0604020202020204" pitchFamily="34" charset="0"/>
               </a:rPr>
               <a:t>By integrating insights from agriculture and financial markets, this research aims to advance decision-making forescat and predictions, providing actionable intelligence to investors and risk managers.</a:t>
@@ -6561,7 +6646,12 @@
             <p:ph type="body" sz="quarter" idx="11"/>
           </p:nvPr>
         </p:nvSpPr>
-        <p:spPr/>
+        <p:spPr>
+          <a:xfrm>
+            <a:off x="226814" y="4812970"/>
+            <a:ext cx="10093882" cy="566030"/>
+          </a:xfrm>
+        </p:spPr>
         <p:txBody>
           <a:bodyPr/>
           <a:lstStyle/>
@@ -6592,7 +6682,7 @@
         </p:nvSpPr>
         <p:spPr>
           <a:xfrm>
-            <a:off x="440616" y="12011651"/>
+            <a:off x="301056" y="8730484"/>
             <a:ext cx="10096349" cy="566030"/>
           </a:xfrm>
         </p:spPr>
@@ -6603,34 +6693,6 @@
             <a:r>
               <a:rPr lang="en-US" sz="3200" dirty="0"/>
               <a:t>OBJECTIVES</a:t>
-            </a:r>
-          </a:p>
-        </p:txBody>
-      </p:sp>
-      <p:sp>
-        <p:nvSpPr>
-          <p:cNvPr id="5" name="Text Placeholder 4">
-            <a:extLst>
-              <a:ext uri="{FF2B5EF4-FFF2-40B4-BE49-F238E27FC236}">
-                <a16:creationId xmlns:a16="http://schemas.microsoft.com/office/drawing/2014/main" id="{81449285-033E-D0C1-DA23-AD9CAAF8B4D4}"/>
-              </a:ext>
-            </a:extLst>
-          </p:cNvPr>
-          <p:cNvSpPr>
-            <a:spLocks noGrp="1"/>
-          </p:cNvSpPr>
-          <p:nvPr>
-            <p:ph type="body" sz="quarter" idx="25"/>
-          </p:nvPr>
-        </p:nvSpPr>
-        <p:spPr/>
-        <p:txBody>
-          <a:bodyPr/>
-          <a:lstStyle/>
-          <a:p>
-            <a:r>
-              <a:rPr lang="en-US" dirty="0"/>
-              <a:t>RESULTS</a:t>
             </a:r>
           </a:p>
         </p:txBody>
@@ -6651,12 +6713,24 @@
             <p:ph type="body" sz="quarter" idx="26"/>
           </p:nvPr>
         </p:nvSpPr>
-        <p:spPr/>
+        <p:spPr>
+          <a:xfrm>
+            <a:off x="326308" y="17666784"/>
+            <a:ext cx="9940205" cy="1550731"/>
+          </a:xfrm>
+        </p:spPr>
         <p:txBody>
           <a:bodyPr/>
           <a:lstStyle/>
           <a:p>
-            <a:endParaRPr lang="en-GB"/>
+            <a:pPr algn="just"/>
+            <a:r>
+              <a:rPr lang="en-GB" kern="100" dirty="0">
+                <a:latin typeface="Arial" panose="020B0604020202020204" pitchFamily="34" charset="0"/>
+                <a:cs typeface="Arial" panose="020B0604020202020204" pitchFamily="34" charset="0"/>
+              </a:rPr>
+              <a:t>The Linear Regression model yielded promising results, with a high R² close to 1, indicating that it captured most of the variability in the data. Its low mean error suggests that the predicted values were close to the actual returns, making it suitable for short-term predictions. </a:t>
+            </a:r>
           </a:p>
         </p:txBody>
       </p:sp>
@@ -6678,7 +6752,7 @@
         </p:nvSpPr>
         <p:spPr>
           <a:xfrm>
-            <a:off x="440616" y="18730768"/>
+            <a:off x="175535" y="12562513"/>
             <a:ext cx="10090978" cy="620293"/>
           </a:xfrm>
         </p:spPr>
@@ -6712,8 +6786,8 @@
         </p:nvSpPr>
         <p:spPr>
           <a:xfrm>
-            <a:off x="436747" y="19584486"/>
-            <a:ext cx="10094847" cy="6290490"/>
+            <a:off x="485878" y="13430077"/>
+            <a:ext cx="9911527" cy="3191694"/>
           </a:xfrm>
         </p:spPr>
         <p:txBody>
@@ -6722,13 +6796,13 @@
           <a:p>
             <a:pPr algn="just"/>
             <a:r>
-              <a:rPr lang="en-GB" sz="2800" kern="100" dirty="0">
+              <a:rPr lang="en-GB" kern="100" dirty="0">
                 <a:latin typeface="Arial" panose="020B0604020202020204" pitchFamily="34" charset="0"/>
                 <a:cs typeface="Arial" panose="020B0604020202020204" pitchFamily="34" charset="0"/>
               </a:rPr>
               <a:t>The methodology involves collecting and preprocessing historical data on weather and stock market, ensuring clean and normalized datasets aligned over time. Exploratory Data Analysis (EDA) is conducted to uncover patterns and relationships between weather events and stock market performance. We then apply various modelling approaches: ARIMA and SARIMA to capture time-series trends and seasonality, while Linear Regression and Random Forest Regressor captures actual and predicted values. Models are evaluated using metrics like MAE, RMSE, and R-squared, with cross-validation and hyperparameter tuning enhancing performance. Finally, a forescat is performed to understand and predict the economic impacts of extreme weather.</a:t>
             </a:r>
-            <a:endParaRPr lang="en-IE" sz="2800" kern="100" dirty="0">
+            <a:endParaRPr lang="en-IE" kern="100" dirty="0">
               <a:latin typeface="Arial" panose="020B0604020202020204" pitchFamily="34" charset="0"/>
               <a:cs typeface="Arial" panose="020B0604020202020204" pitchFamily="34" charset="0"/>
             </a:endParaRPr>
@@ -6754,13 +6828,18 @@
             <p:ph type="body" sz="quarter" idx="29"/>
           </p:nvPr>
         </p:nvSpPr>
-        <p:spPr/>
+        <p:spPr>
+          <a:xfrm>
+            <a:off x="11154572" y="17699519"/>
+            <a:ext cx="9962037" cy="620293"/>
+          </a:xfrm>
+        </p:spPr>
         <p:txBody>
           <a:bodyPr/>
           <a:lstStyle/>
           <a:p>
             <a:r>
-              <a:rPr lang="en-US" dirty="0"/>
+              <a:rPr lang="en-US" sz="3200" dirty="0"/>
               <a:t>REFERENCES</a:t>
             </a:r>
           </a:p>
@@ -6782,12 +6861,222 @@
             <p:ph type="body" sz="quarter" idx="30"/>
           </p:nvPr>
         </p:nvSpPr>
-        <p:spPr/>
+        <p:spPr>
+          <a:xfrm>
+            <a:off x="10905001" y="18851885"/>
+            <a:ext cx="9962037" cy="9786832"/>
+          </a:xfrm>
+        </p:spPr>
         <p:txBody>
           <a:bodyPr/>
           <a:lstStyle/>
           <a:p>
-            <a:endParaRPr lang="en-GB"/>
+            <a:pPr marL="457200" lvl="0" indent="-457200" algn="just">
+              <a:lnSpc>
+                <a:spcPct val="150000"/>
+              </a:lnSpc>
+              <a:spcAft>
+                <a:spcPts val="1200"/>
+              </a:spcAft>
+              <a:buFont typeface="Arial" panose="020B0604020202020204" pitchFamily="34" charset="0"/>
+              <a:buChar char="•"/>
+            </a:pPr>
+            <a:r>
+              <a:rPr lang="en-GB" kern="100" dirty="0">
+                <a:latin typeface="Arial" panose="020B0604020202020204" pitchFamily="34" charset="0"/>
+                <a:cs typeface="Arial" panose="020B0604020202020204" pitchFamily="34" charset="0"/>
+              </a:rPr>
+              <a:t>Brownlee, J. (2017). Introduction to Time Series Forecasting With Python. Machine Learning Mastery.</a:t>
+            </a:r>
+          </a:p>
+          <a:p>
+            <a:pPr marL="457200" lvl="0" indent="-457200" algn="just">
+              <a:lnSpc>
+                <a:spcPct val="107000"/>
+              </a:lnSpc>
+              <a:buFont typeface="Arial" panose="020B0604020202020204" pitchFamily="34" charset="0"/>
+              <a:buChar char="•"/>
+            </a:pPr>
+            <a:r>
+              <a:rPr lang="en-IE" kern="100" dirty="0">
+                <a:latin typeface="Arial" panose="020B0604020202020204" pitchFamily="34" charset="0"/>
+                <a:cs typeface="Arial" panose="020B0604020202020204" pitchFamily="34" charset="0"/>
+              </a:rPr>
+              <a:t>I</a:t>
+            </a:r>
+            <a:r>
+              <a:rPr lang="en-US" kern="100" dirty="0" err="1">
+                <a:latin typeface="Arial" panose="020B0604020202020204" pitchFamily="34" charset="0"/>
+                <a:cs typeface="Arial" panose="020B0604020202020204" pitchFamily="34" charset="0"/>
+              </a:rPr>
+              <a:t>qbal</a:t>
+            </a:r>
+            <a:r>
+              <a:rPr lang="en-US" kern="100" dirty="0">
+                <a:latin typeface="Arial" panose="020B0604020202020204" pitchFamily="34" charset="0"/>
+                <a:cs typeface="Arial" panose="020B0604020202020204" pitchFamily="34" charset="0"/>
+              </a:rPr>
+              <a:t>, M. (2024).  ARIMA Times Series Model. Lecture 6  Week 1. CCT Moodle: CCT College.</a:t>
+            </a:r>
+            <a:endParaRPr lang="en-GB" kern="100" dirty="0">
+              <a:latin typeface="Arial" panose="020B0604020202020204" pitchFamily="34" charset="0"/>
+              <a:cs typeface="Arial" panose="020B0604020202020204" pitchFamily="34" charset="0"/>
+            </a:endParaRPr>
+          </a:p>
+          <a:p>
+            <a:pPr marL="457200" indent="-457200" algn="just">
+              <a:lnSpc>
+                <a:spcPct val="107000"/>
+              </a:lnSpc>
+              <a:buFont typeface="Arial" panose="020B0604020202020204" pitchFamily="34" charset="0"/>
+              <a:buChar char="•"/>
+            </a:pPr>
+            <a:r>
+              <a:rPr lang="en-IE" kern="100" dirty="0">
+                <a:latin typeface="Arial" panose="020B0604020202020204" pitchFamily="34" charset="0"/>
+                <a:cs typeface="Arial" panose="020B0604020202020204" pitchFamily="34" charset="0"/>
+              </a:rPr>
+              <a:t> </a:t>
+            </a:r>
+            <a:r>
+              <a:rPr lang="en-US" kern="100" dirty="0">
+                <a:latin typeface="Arial" panose="020B0604020202020204" pitchFamily="34" charset="0"/>
+                <a:cs typeface="Arial" panose="020B0604020202020204" pitchFamily="34" charset="0"/>
+              </a:rPr>
+              <a:t>McKinney, W. (2018). Python for Data Analysis Data Wrangling with Pandas, NumPy, and </a:t>
+            </a:r>
+            <a:r>
+              <a:rPr lang="en-US" kern="100" dirty="0" err="1">
+                <a:latin typeface="Arial" panose="020B0604020202020204" pitchFamily="34" charset="0"/>
+                <a:cs typeface="Arial" panose="020B0604020202020204" pitchFamily="34" charset="0"/>
+              </a:rPr>
+              <a:t>IPython</a:t>
+            </a:r>
+            <a:r>
+              <a:rPr lang="en-US" kern="100" dirty="0">
+                <a:latin typeface="Arial" panose="020B0604020202020204" pitchFamily="34" charset="0"/>
+                <a:cs typeface="Arial" panose="020B0604020202020204" pitchFamily="34" charset="0"/>
+              </a:rPr>
+              <a:t>. [online] file:///C:/Users/Dell/Downloads/Python%20for%20Data%20Analysis.%20Data%20Wrangling%20with%20Pandas,%20NumPy,%20and%20IPython%20(2017,%20O%E2%80%99Reilly)%20(3).pdf. Available at: </a:t>
+            </a:r>
+            <a:r>
+              <a:rPr lang="en-US" kern="100" dirty="0">
+                <a:latin typeface="Arial" panose="020B0604020202020204" pitchFamily="34" charset="0"/>
+                <a:cs typeface="Arial" panose="020B0604020202020204" pitchFamily="34" charset="0"/>
+                <a:hlinkClick r:id="rId3">
+                  <a:extLst>
+                    <a:ext uri="{A12FA001-AC4F-418D-AE19-62706E023703}">
+                      <ahyp:hlinkClr xmlns:ahyp="http://schemas.microsoft.com/office/drawing/2018/hyperlinkcolor" val="tx"/>
+                    </a:ext>
+                  </a:extLst>
+                </a:hlinkClick>
+              </a:rPr>
+              <a:t>http://oreilly.com/catalog/errata.csp?isbn=9781491957660</a:t>
+            </a:r>
+            <a:r>
+              <a:rPr lang="en-US" kern="100" dirty="0">
+                <a:latin typeface="Arial" panose="020B0604020202020204" pitchFamily="34" charset="0"/>
+                <a:cs typeface="Arial" panose="020B0604020202020204" pitchFamily="34" charset="0"/>
+              </a:rPr>
+              <a:t>.</a:t>
+            </a:r>
+            <a:endParaRPr lang="en-GB" kern="100" dirty="0">
+              <a:latin typeface="Arial" panose="020B0604020202020204" pitchFamily="34" charset="0"/>
+              <a:cs typeface="Arial" panose="020B0604020202020204" pitchFamily="34" charset="0"/>
+            </a:endParaRPr>
+          </a:p>
+          <a:p>
+            <a:pPr marL="457200" lvl="0" indent="-457200" algn="just">
+              <a:lnSpc>
+                <a:spcPct val="150000"/>
+              </a:lnSpc>
+              <a:spcAft>
+                <a:spcPts val="1200"/>
+              </a:spcAft>
+              <a:buFont typeface="Arial" panose="020B0604020202020204" pitchFamily="34" charset="0"/>
+              <a:buChar char="•"/>
+            </a:pPr>
+            <a:r>
+              <a:rPr lang="en-US" kern="100" dirty="0">
+                <a:latin typeface="Arial" panose="020B0604020202020204" pitchFamily="34" charset="0"/>
+                <a:cs typeface="Arial" panose="020B0604020202020204" pitchFamily="34" charset="0"/>
+              </a:rPr>
+              <a:t>McQuaid, D. (2024a). Feature Scaling or Normalization. file:///C:/Users/Dell/Downloads/Feature%20Scaling%20or%20Normalization%20(3).pdf.</a:t>
+            </a:r>
+            <a:endParaRPr lang="en-GB" kern="100" dirty="0">
+              <a:latin typeface="Arial" panose="020B0604020202020204" pitchFamily="34" charset="0"/>
+              <a:cs typeface="Arial" panose="020B0604020202020204" pitchFamily="34" charset="0"/>
+            </a:endParaRPr>
+          </a:p>
+          <a:p>
+            <a:pPr marL="457200" indent="-457200" algn="just">
+              <a:lnSpc>
+                <a:spcPct val="150000"/>
+              </a:lnSpc>
+              <a:spcAft>
+                <a:spcPts val="1200"/>
+              </a:spcAft>
+              <a:buFont typeface="Arial" panose="020B0604020202020204" pitchFamily="34" charset="0"/>
+              <a:buChar char="•"/>
+            </a:pPr>
+            <a:r>
+              <a:rPr lang="en-US" kern="100" dirty="0">
+                <a:latin typeface="Arial" panose="020B0604020202020204" pitchFamily="34" charset="0"/>
+                <a:cs typeface="Arial" panose="020B0604020202020204" pitchFamily="34" charset="0"/>
+              </a:rPr>
+              <a:t> McQuaid, D. (2024b). What is Exploratory Data Analysis? file:///C:/Users/Dell/Downloads/Feature%20Scaling%20or%20Normalization%20(3).pdf.</a:t>
+            </a:r>
+            <a:endParaRPr lang="en-GB" kern="100" dirty="0">
+              <a:latin typeface="Arial" panose="020B0604020202020204" pitchFamily="34" charset="0"/>
+              <a:cs typeface="Arial" panose="020B0604020202020204" pitchFamily="34" charset="0"/>
+            </a:endParaRPr>
+          </a:p>
+          <a:p>
+            <a:pPr marL="457200" indent="-457200" algn="just">
+              <a:lnSpc>
+                <a:spcPct val="150000"/>
+              </a:lnSpc>
+              <a:spcAft>
+                <a:spcPts val="1200"/>
+              </a:spcAft>
+              <a:buFont typeface="Arial" panose="020B0604020202020204" pitchFamily="34" charset="0"/>
+              <a:buChar char="•"/>
+            </a:pPr>
+            <a:r>
+              <a:rPr lang="en-US" kern="100" dirty="0">
+                <a:latin typeface="Arial" panose="020B0604020202020204" pitchFamily="34" charset="0"/>
+                <a:cs typeface="Arial" panose="020B0604020202020204" pitchFamily="34" charset="0"/>
+              </a:rPr>
+              <a:t> Müller, A.C. and Guido, S. (2016). Introduction to Machine  Learning  with Python  A GUIDE FOR DATA SCIENTISTS. [online] https://www.nrigroupindia.com/e-book/Introduction%20to%20Machine%20Learning%20with%20Python%20(%20PDFDrive.com%20)-min.pdf. Available at: </a:t>
+            </a:r>
+            <a:r>
+              <a:rPr lang="en-US" kern="100" dirty="0">
+                <a:latin typeface="Arial" panose="020B0604020202020204" pitchFamily="34" charset="0"/>
+                <a:cs typeface="Arial" panose="020B0604020202020204" pitchFamily="34" charset="0"/>
+                <a:hlinkClick r:id="rId4">
+                  <a:extLst>
+                    <a:ext uri="{A12FA001-AC4F-418D-AE19-62706E023703}">
+                      <ahyp:hlinkClr xmlns:ahyp="http://schemas.microsoft.com/office/drawing/2018/hyperlinkcolor" val="tx"/>
+                    </a:ext>
+                  </a:extLst>
+                </a:hlinkClick>
+              </a:rPr>
+              <a:t>http://safaribooksonline.com/</a:t>
+            </a:r>
+            <a:r>
+              <a:rPr lang="en-US" kern="100" dirty="0">
+                <a:latin typeface="Arial" panose="020B0604020202020204" pitchFamily="34" charset="0"/>
+                <a:cs typeface="Arial" panose="020B0604020202020204" pitchFamily="34" charset="0"/>
+              </a:rPr>
+              <a:t>.</a:t>
+            </a:r>
+            <a:endParaRPr lang="en-GB" kern="100" dirty="0">
+              <a:latin typeface="Arial" panose="020B0604020202020204" pitchFamily="34" charset="0"/>
+              <a:cs typeface="Arial" panose="020B0604020202020204" pitchFamily="34" charset="0"/>
+            </a:endParaRPr>
+          </a:p>
+          <a:p>
+            <a:endParaRPr lang="en-GB" dirty="0"/>
           </a:p>
         </p:txBody>
       </p:sp>
@@ -6809,8 +7098,8 @@
         </p:nvSpPr>
         <p:spPr>
           <a:xfrm>
-            <a:off x="456472" y="12528091"/>
-            <a:ext cx="9782750" cy="6854106"/>
+            <a:off x="485878" y="9220953"/>
+            <a:ext cx="9911527" cy="3094289"/>
           </a:xfrm>
         </p:spPr>
         <p:txBody>
@@ -6818,7 +7107,7 @@
           <a:lstStyle/>
           <a:p>
             <a:pPr algn="just"/>
-            <a:endParaRPr lang="en-IE" sz="2800" dirty="0">
+            <a:endParaRPr lang="en-IE" dirty="0">
               <a:latin typeface="Arial" panose="020B0604020202020204" pitchFamily="34" charset="0"/>
               <a:cs typeface="Arial" panose="020B0604020202020204" pitchFamily="34" charset="0"/>
             </a:endParaRPr>
@@ -6826,13 +7115,13 @@
           <a:p>
             <a:pPr algn="just"/>
             <a:r>
-              <a:rPr lang="en-IE" sz="2800" dirty="0">
+              <a:rPr lang="en-IE" dirty="0">
                 <a:latin typeface="Arial" panose="020B0604020202020204" pitchFamily="34" charset="0"/>
                 <a:cs typeface="Arial" panose="020B0604020202020204" pitchFamily="34" charset="0"/>
               </a:rPr>
               <a:t>The 3  points below represent the core focus of the entire study:</a:t>
             </a:r>
-            <a:endParaRPr lang="en-IE" sz="2800" kern="100" dirty="0">
+            <a:endParaRPr lang="en-IE" kern="100" dirty="0">
               <a:effectLst/>
               <a:latin typeface="Arial" panose="020B0604020202020204" pitchFamily="34" charset="0"/>
               <a:ea typeface="Aptos" panose="020B0004020202020204" pitchFamily="34" charset="0"/>
@@ -6845,24 +7134,15 @@
               <a:buAutoNum type="arabicPeriod"/>
             </a:pPr>
             <a:r>
-              <a:rPr lang="en-IE" sz="2800" kern="100">
+              <a:rPr lang="en-IE" kern="100" dirty="0">
                 <a:effectLst/>
                 <a:latin typeface="Arial" panose="020B0604020202020204" pitchFamily="34" charset="0"/>
                 <a:ea typeface="Aptos" panose="020B0004020202020204" pitchFamily="34" charset="0"/>
                 <a:cs typeface="Times New Roman" panose="02020603050405020304" pitchFamily="18" charset="0"/>
               </a:rPr>
-              <a:t>Examine </a:t>
+              <a:t>Examine the Impact of Weather Events on Stock Market Performance, analysing how some specific weather conditions influence in stock market  returns over time.</a:t>
             </a:r>
-            <a:r>
-              <a:rPr lang="en-IE" sz="2800" kern="100" dirty="0">
-                <a:effectLst/>
-                <a:latin typeface="Arial" panose="020B0604020202020204" pitchFamily="34" charset="0"/>
-                <a:ea typeface="Aptos" panose="020B0004020202020204" pitchFamily="34" charset="0"/>
-                <a:cs typeface="Times New Roman" panose="02020603050405020304" pitchFamily="18" charset="0"/>
-              </a:rPr>
-              <a:t>the Impact of Weather Events on Stock Market Performance, analysing how some specific weather conditions influence in stock market  returns over time.</a:t>
-            </a:r>
-            <a:endParaRPr lang="en-GB" sz="2800" kern="100" dirty="0">
+            <a:endParaRPr lang="en-GB" kern="100" dirty="0">
               <a:effectLst/>
               <a:latin typeface="Calibri" panose="020F0502020204030204" pitchFamily="34" charset="0"/>
               <a:ea typeface="Aptos" panose="020B0004020202020204" pitchFamily="34" charset="0"/>
@@ -6875,7 +7155,7 @@
               <a:buAutoNum type="arabicPeriod"/>
             </a:pPr>
             <a:r>
-              <a:rPr lang="en-IE" sz="2800" kern="100" dirty="0">
+              <a:rPr lang="en-IE" kern="100" dirty="0">
                 <a:effectLst/>
                 <a:latin typeface="Arial" panose="020B0604020202020204" pitchFamily="34" charset="0"/>
                 <a:ea typeface="Aptos" panose="020B0004020202020204" pitchFamily="34" charset="0"/>
@@ -6883,7 +7163,7 @@
               </a:rPr>
               <a:t>Analyse  the causal relationships between time series data points and external factors to identify key drivers of changes in the data, such as weather factors.</a:t>
             </a:r>
-            <a:endParaRPr lang="en-GB" sz="2800" kern="100" dirty="0">
+            <a:endParaRPr lang="en-GB" kern="100" dirty="0">
               <a:effectLst/>
               <a:latin typeface="Calibri" panose="020F0502020204030204" pitchFamily="34" charset="0"/>
               <a:ea typeface="Aptos" panose="020B0004020202020204" pitchFamily="34" charset="0"/>
@@ -6896,7 +7176,7 @@
               <a:buAutoNum type="arabicPeriod"/>
             </a:pPr>
             <a:r>
-              <a:rPr lang="en-IE" sz="2800" kern="100" dirty="0">
+              <a:rPr lang="en-IE" kern="100" dirty="0">
                 <a:effectLst/>
                 <a:latin typeface="Arial" panose="020B0604020202020204" pitchFamily="34" charset="0"/>
                 <a:ea typeface="Aptos" panose="020B0004020202020204" pitchFamily="34" charset="0"/>
@@ -6904,7 +7184,7 @@
               </a:rPr>
               <a:t>Test and compare different machine algorithm models  to assess their accuracy in forecasting or capturing the underlying structure of the data.</a:t>
             </a:r>
-            <a:endParaRPr lang="en-GB" sz="2800" kern="100" dirty="0">
+            <a:endParaRPr lang="en-GB" kern="100" dirty="0">
               <a:effectLst/>
               <a:latin typeface="Calibri" panose="020F0502020204030204" pitchFamily="34" charset="0"/>
               <a:ea typeface="Aptos" panose="020B0004020202020204" pitchFamily="34" charset="0"/>
@@ -7053,7 +7333,7 @@
           <p:nvPr/>
         </p:nvPicPr>
         <p:blipFill>
-          <a:blip r:embed="rId2">
+          <a:blip r:embed="rId5">
             <a:extLst>
               <a:ext uri="{28A0092B-C50C-407E-A947-70E740481C1C}">
                 <a14:useLocalDpi xmlns:a14="http://schemas.microsoft.com/office/drawing/2010/main" val="0"/>
@@ -7089,7 +7369,7 @@
           <p:nvPr/>
         </p:nvPicPr>
         <p:blipFill>
-          <a:blip r:embed="rId2">
+          <a:blip r:embed="rId5">
             <a:extLst>
               <a:ext uri="{28A0092B-C50C-407E-A947-70E740481C1C}">
                 <a14:useLocalDpi xmlns:a14="http://schemas.microsoft.com/office/drawing/2010/main" val="0"/>
@@ -7125,7 +7405,7 @@
           <p:nvPr/>
         </p:nvPicPr>
         <p:blipFill>
-          <a:blip r:embed="rId3">
+          <a:blip r:embed="rId6">
             <a:extLst>
               <a:ext uri="{28A0092B-C50C-407E-A947-70E740481C1C}">
                 <a14:useLocalDpi xmlns:a14="http://schemas.microsoft.com/office/drawing/2010/main" val="0"/>
@@ -7139,8 +7419,8 @@
         </p:blipFill>
         <p:spPr bwMode="auto">
           <a:xfrm>
-            <a:off x="10842726" y="6523093"/>
-            <a:ext cx="10090978" cy="5799663"/>
+            <a:off x="522674" y="25104815"/>
+            <a:ext cx="9341990" cy="4077320"/>
           </a:xfrm>
           <a:prstGeom prst="rect">
             <a:avLst/>
@@ -7157,6 +7437,880 @@
           </a:extLst>
         </p:spPr>
       </p:pic>
+      <p:pic>
+        <p:nvPicPr>
+          <p:cNvPr id="6" name="Picture 5" descr="A graph showing the difference between a graph and a graph&#10;&#10;Description automatically generated with medium confidence">
+            <a:extLst>
+              <a:ext uri="{FF2B5EF4-FFF2-40B4-BE49-F238E27FC236}">
+                <a16:creationId xmlns:a16="http://schemas.microsoft.com/office/drawing/2014/main" id="{4B04DF7F-E1F7-E29B-0D51-AF742F012644}"/>
+              </a:ext>
+            </a:extLst>
+          </p:cNvPr>
+          <p:cNvPicPr>
+            <a:picLocks noChangeAspect="1"/>
+          </p:cNvPicPr>
+          <p:nvPr/>
+        </p:nvPicPr>
+        <p:blipFill>
+          <a:blip r:embed="rId7"/>
+          <a:stretch>
+            <a:fillRect/>
+          </a:stretch>
+        </p:blipFill>
+        <p:spPr>
+          <a:xfrm>
+            <a:off x="1494593" y="19104256"/>
+            <a:ext cx="7703901" cy="4316236"/>
+          </a:xfrm>
+          <a:prstGeom prst="rect">
+            <a:avLst/>
+          </a:prstGeom>
+        </p:spPr>
+      </p:pic>
+      <p:pic>
+        <p:nvPicPr>
+          <p:cNvPr id="8" name="Picture 7" descr="A graph of a graph showing a number of times&#10;&#10;Description automatically generated with medium confidence">
+            <a:extLst>
+              <a:ext uri="{FF2B5EF4-FFF2-40B4-BE49-F238E27FC236}">
+                <a16:creationId xmlns:a16="http://schemas.microsoft.com/office/drawing/2014/main" id="{88CF077D-EA33-D807-5B33-B487F12FBED5}"/>
+              </a:ext>
+            </a:extLst>
+          </p:cNvPr>
+          <p:cNvPicPr>
+            <a:picLocks noChangeAspect="1"/>
+          </p:cNvPicPr>
+          <p:nvPr/>
+        </p:nvPicPr>
+        <p:blipFill rotWithShape="1">
+          <a:blip r:embed="rId8">
+            <a:extLst>
+              <a:ext uri="{28A0092B-C50C-407E-A947-70E740481C1C}">
+                <a14:useLocalDpi xmlns:a14="http://schemas.microsoft.com/office/drawing/2010/main" val="0"/>
+              </a:ext>
+            </a:extLst>
+          </a:blip>
+          <a:srcRect b="29269"/>
+          <a:stretch/>
+        </p:blipFill>
+        <p:spPr bwMode="auto">
+          <a:xfrm>
+            <a:off x="12143893" y="7028886"/>
+            <a:ext cx="7352540" cy="3981985"/>
+          </a:xfrm>
+          <a:prstGeom prst="rect">
+            <a:avLst/>
+          </a:prstGeom>
+          <a:noFill/>
+          <a:ln>
+            <a:noFill/>
+          </a:ln>
+          <a:extLst>
+            <a:ext uri="{53640926-AAD7-44D8-BBD7-CCE9431645EC}">
+              <a14:shadowObscured xmlns:a14="http://schemas.microsoft.com/office/drawing/2010/main"/>
+            </a:ext>
+          </a:extLst>
+        </p:spPr>
+      </p:pic>
+      <p:sp>
+        <p:nvSpPr>
+          <p:cNvPr id="13" name="Text Placeholder 16">
+            <a:extLst>
+              <a:ext uri="{FF2B5EF4-FFF2-40B4-BE49-F238E27FC236}">
+                <a16:creationId xmlns:a16="http://schemas.microsoft.com/office/drawing/2014/main" id="{0A4EDA73-58CE-A086-2963-A7EDDEA84AFF}"/>
+              </a:ext>
+            </a:extLst>
+          </p:cNvPr>
+          <p:cNvSpPr txBox="1">
+            <a:spLocks/>
+          </p:cNvSpPr>
+          <p:nvPr/>
+        </p:nvSpPr>
+        <p:spPr>
+          <a:xfrm>
+            <a:off x="226944" y="23393259"/>
+            <a:ext cx="10093752" cy="2375573"/>
+          </a:xfrm>
+          <a:prstGeom prst="rect">
+            <a:avLst/>
+          </a:prstGeom>
+        </p:spPr>
+        <p:txBody>
+          <a:bodyPr wrap="square" lIns="158267" tIns="158267" rIns="158267" bIns="158267" anchor="t" anchorCtr="0">
+            <a:spAutoFit/>
+          </a:bodyPr>
+          <a:lstStyle>
+            <a:lvl1pPr marL="0" indent="0" algn="l" defTabSz="3038715" rtl="0" eaLnBrk="1" latinLnBrk="0" hangingPunct="1">
+              <a:spcBef>
+                <a:spcPct val="20000"/>
+              </a:spcBef>
+              <a:buFont typeface="Arial" pitchFamily="34" charset="0"/>
+              <a:buNone/>
+              <a:defRPr sz="2000" kern="1200">
+                <a:solidFill>
+                  <a:schemeClr val="accent5">
+                    <a:lumMod val="50000"/>
+                  </a:schemeClr>
+                </a:solidFill>
+                <a:latin typeface="Century Gothic" panose="020B0502020202020204" pitchFamily="34" charset="0"/>
+                <a:ea typeface="+mn-ea"/>
+                <a:cs typeface="Times New Roman" panose="02020603050405020304" pitchFamily="18" charset="0"/>
+              </a:defRPr>
+            </a:lvl1pPr>
+            <a:lvl2pPr marL="1028732" indent="-395666" algn="l" defTabSz="3038715" rtl="0" eaLnBrk="1" latinLnBrk="0" hangingPunct="1">
+              <a:spcBef>
+                <a:spcPct val="20000"/>
+              </a:spcBef>
+              <a:buFont typeface="Arial" pitchFamily="34" charset="0"/>
+              <a:buChar char="–"/>
+              <a:defRPr sz="1700" kern="1200">
+                <a:solidFill>
+                  <a:schemeClr val="tx1"/>
+                </a:solidFill>
+                <a:latin typeface="Trebuchet MS" pitchFamily="34" charset="0"/>
+                <a:ea typeface="+mn-ea"/>
+                <a:cs typeface="+mn-cs"/>
+              </a:defRPr>
+            </a:lvl2pPr>
+            <a:lvl3pPr marL="1424397" indent="-395666" algn="l" defTabSz="3038715" rtl="0" eaLnBrk="1" latinLnBrk="0" hangingPunct="1">
+              <a:spcBef>
+                <a:spcPct val="20000"/>
+              </a:spcBef>
+              <a:buFont typeface="Arial" pitchFamily="34" charset="0"/>
+              <a:buChar char="•"/>
+              <a:defRPr sz="1700" kern="1200">
+                <a:solidFill>
+                  <a:schemeClr val="tx1"/>
+                </a:solidFill>
+                <a:latin typeface="Trebuchet MS" pitchFamily="34" charset="0"/>
+                <a:ea typeface="+mn-ea"/>
+                <a:cs typeface="+mn-cs"/>
+              </a:defRPr>
+            </a:lvl3pPr>
+            <a:lvl4pPr marL="1859630" indent="-435233" algn="l" defTabSz="3038715" rtl="0" eaLnBrk="1" latinLnBrk="0" hangingPunct="1">
+              <a:spcBef>
+                <a:spcPct val="20000"/>
+              </a:spcBef>
+              <a:buFont typeface="Arial" pitchFamily="34" charset="0"/>
+              <a:buChar char="–"/>
+              <a:defRPr sz="1700" kern="1200">
+                <a:solidFill>
+                  <a:schemeClr val="tx1"/>
+                </a:solidFill>
+                <a:latin typeface="Trebuchet MS" pitchFamily="34" charset="0"/>
+                <a:ea typeface="+mn-ea"/>
+                <a:cs typeface="+mn-cs"/>
+              </a:defRPr>
+            </a:lvl4pPr>
+            <a:lvl5pPr marL="2176163" indent="-316533" algn="l" defTabSz="3038715" rtl="0" eaLnBrk="1" latinLnBrk="0" hangingPunct="1">
+              <a:spcBef>
+                <a:spcPct val="20000"/>
+              </a:spcBef>
+              <a:buFont typeface="Arial" pitchFamily="34" charset="0"/>
+              <a:buChar char="»"/>
+              <a:defRPr sz="1700" kern="1200">
+                <a:solidFill>
+                  <a:schemeClr val="tx1"/>
+                </a:solidFill>
+                <a:latin typeface="Trebuchet MS" pitchFamily="34" charset="0"/>
+                <a:ea typeface="+mn-ea"/>
+                <a:cs typeface="+mn-cs"/>
+              </a:defRPr>
+            </a:lvl5pPr>
+            <a:lvl6pPr marL="8356465" indent="-759679" algn="l" defTabSz="3038715" rtl="0" eaLnBrk="1" latinLnBrk="0" hangingPunct="1">
+              <a:spcBef>
+                <a:spcPct val="20000"/>
+              </a:spcBef>
+              <a:buFont typeface="Arial" pitchFamily="34" charset="0"/>
+              <a:buChar char="•"/>
+              <a:defRPr sz="6700" kern="1200">
+                <a:solidFill>
+                  <a:schemeClr val="tx1"/>
+                </a:solidFill>
+                <a:latin typeface="+mn-lt"/>
+                <a:ea typeface="+mn-ea"/>
+                <a:cs typeface="+mn-cs"/>
+              </a:defRPr>
+            </a:lvl6pPr>
+            <a:lvl7pPr marL="9875821" indent="-759679" algn="l" defTabSz="3038715" rtl="0" eaLnBrk="1" latinLnBrk="0" hangingPunct="1">
+              <a:spcBef>
+                <a:spcPct val="20000"/>
+              </a:spcBef>
+              <a:buFont typeface="Arial" pitchFamily="34" charset="0"/>
+              <a:buChar char="•"/>
+              <a:defRPr sz="6700" kern="1200">
+                <a:solidFill>
+                  <a:schemeClr val="tx1"/>
+                </a:solidFill>
+                <a:latin typeface="+mn-lt"/>
+                <a:ea typeface="+mn-ea"/>
+                <a:cs typeface="+mn-cs"/>
+              </a:defRPr>
+            </a:lvl7pPr>
+            <a:lvl8pPr marL="11395179" indent="-759679" algn="l" defTabSz="3038715" rtl="0" eaLnBrk="1" latinLnBrk="0" hangingPunct="1">
+              <a:spcBef>
+                <a:spcPct val="20000"/>
+              </a:spcBef>
+              <a:buFont typeface="Arial" pitchFamily="34" charset="0"/>
+              <a:buChar char="•"/>
+              <a:defRPr sz="6700" kern="1200">
+                <a:solidFill>
+                  <a:schemeClr val="tx1"/>
+                </a:solidFill>
+                <a:latin typeface="+mn-lt"/>
+                <a:ea typeface="+mn-ea"/>
+                <a:cs typeface="+mn-cs"/>
+              </a:defRPr>
+            </a:lvl8pPr>
+            <a:lvl9pPr marL="12914537" indent="-759679" algn="l" defTabSz="3038715" rtl="0" eaLnBrk="1" latinLnBrk="0" hangingPunct="1">
+              <a:spcBef>
+                <a:spcPct val="20000"/>
+              </a:spcBef>
+              <a:buFont typeface="Arial" pitchFamily="34" charset="0"/>
+              <a:buChar char="•"/>
+              <a:defRPr sz="6700" kern="1200">
+                <a:solidFill>
+                  <a:schemeClr val="tx1"/>
+                </a:solidFill>
+                <a:latin typeface="+mn-lt"/>
+                <a:ea typeface="+mn-ea"/>
+                <a:cs typeface="+mn-cs"/>
+              </a:defRPr>
+            </a:lvl9pPr>
+          </a:lstStyle>
+          <a:p>
+            <a:pPr algn="just"/>
+            <a:r>
+              <a:rPr lang="en-GB" kern="100" dirty="0">
+                <a:latin typeface="Arial" panose="020B0604020202020204" pitchFamily="34" charset="0"/>
+                <a:cs typeface="Arial" panose="020B0604020202020204" pitchFamily="34" charset="0"/>
+              </a:rPr>
+              <a:t>On the other hand, the SARIMA model indicated stability around zero with no strong trend, but the widening confidence intervals highlighted growing uncertainty over longer forecasting horizons. The negative R² suggested that the model performed poorly, likely due to issues with feature selection or the data preparation process, which affected its ability to predict accurately.</a:t>
+            </a:r>
+          </a:p>
+          <a:p>
+            <a:endParaRPr lang="en-GB" sz="2800" kern="100" dirty="0">
+              <a:latin typeface="Arial" panose="020B0604020202020204" pitchFamily="34" charset="0"/>
+            </a:endParaRPr>
+          </a:p>
+        </p:txBody>
+      </p:sp>
+      <p:sp>
+        <p:nvSpPr>
+          <p:cNvPr id="15" name="Text Placeholder 16">
+            <a:extLst>
+              <a:ext uri="{FF2B5EF4-FFF2-40B4-BE49-F238E27FC236}">
+                <a16:creationId xmlns:a16="http://schemas.microsoft.com/office/drawing/2014/main" id="{F0A3F7B9-9B9B-4621-84AA-7977EF2CA025}"/>
+              </a:ext>
+            </a:extLst>
+          </p:cNvPr>
+          <p:cNvSpPr txBox="1">
+            <a:spLocks/>
+          </p:cNvSpPr>
+          <p:nvPr/>
+        </p:nvSpPr>
+        <p:spPr>
+          <a:xfrm>
+            <a:off x="11154572" y="4630512"/>
+            <a:ext cx="9712466" cy="2683349"/>
+          </a:xfrm>
+          <a:prstGeom prst="rect">
+            <a:avLst/>
+          </a:prstGeom>
+        </p:spPr>
+        <p:txBody>
+          <a:bodyPr wrap="square" lIns="158267" tIns="158267" rIns="158267" bIns="158267" anchor="t" anchorCtr="0">
+            <a:spAutoFit/>
+          </a:bodyPr>
+          <a:lstStyle>
+            <a:lvl1pPr marL="0" indent="0" algn="l" defTabSz="3038715" rtl="0" eaLnBrk="1" latinLnBrk="0" hangingPunct="1">
+              <a:spcBef>
+                <a:spcPct val="20000"/>
+              </a:spcBef>
+              <a:buFont typeface="Arial" pitchFamily="34" charset="0"/>
+              <a:buNone/>
+              <a:defRPr sz="2000" kern="1200">
+                <a:solidFill>
+                  <a:schemeClr val="accent5">
+                    <a:lumMod val="50000"/>
+                  </a:schemeClr>
+                </a:solidFill>
+                <a:latin typeface="Century Gothic" panose="020B0502020202020204" pitchFamily="34" charset="0"/>
+                <a:ea typeface="+mn-ea"/>
+                <a:cs typeface="Times New Roman" panose="02020603050405020304" pitchFamily="18" charset="0"/>
+              </a:defRPr>
+            </a:lvl1pPr>
+            <a:lvl2pPr marL="1028732" indent="-395666" algn="l" defTabSz="3038715" rtl="0" eaLnBrk="1" latinLnBrk="0" hangingPunct="1">
+              <a:spcBef>
+                <a:spcPct val="20000"/>
+              </a:spcBef>
+              <a:buFont typeface="Arial" pitchFamily="34" charset="0"/>
+              <a:buChar char="–"/>
+              <a:defRPr sz="1700" kern="1200">
+                <a:solidFill>
+                  <a:schemeClr val="tx1"/>
+                </a:solidFill>
+                <a:latin typeface="Trebuchet MS" pitchFamily="34" charset="0"/>
+                <a:ea typeface="+mn-ea"/>
+                <a:cs typeface="+mn-cs"/>
+              </a:defRPr>
+            </a:lvl2pPr>
+            <a:lvl3pPr marL="1424397" indent="-395666" algn="l" defTabSz="3038715" rtl="0" eaLnBrk="1" latinLnBrk="0" hangingPunct="1">
+              <a:spcBef>
+                <a:spcPct val="20000"/>
+              </a:spcBef>
+              <a:buFont typeface="Arial" pitchFamily="34" charset="0"/>
+              <a:buChar char="•"/>
+              <a:defRPr sz="1700" kern="1200">
+                <a:solidFill>
+                  <a:schemeClr val="tx1"/>
+                </a:solidFill>
+                <a:latin typeface="Trebuchet MS" pitchFamily="34" charset="0"/>
+                <a:ea typeface="+mn-ea"/>
+                <a:cs typeface="+mn-cs"/>
+              </a:defRPr>
+            </a:lvl3pPr>
+            <a:lvl4pPr marL="1859630" indent="-435233" algn="l" defTabSz="3038715" rtl="0" eaLnBrk="1" latinLnBrk="0" hangingPunct="1">
+              <a:spcBef>
+                <a:spcPct val="20000"/>
+              </a:spcBef>
+              <a:buFont typeface="Arial" pitchFamily="34" charset="0"/>
+              <a:buChar char="–"/>
+              <a:defRPr sz="1700" kern="1200">
+                <a:solidFill>
+                  <a:schemeClr val="tx1"/>
+                </a:solidFill>
+                <a:latin typeface="Trebuchet MS" pitchFamily="34" charset="0"/>
+                <a:ea typeface="+mn-ea"/>
+                <a:cs typeface="+mn-cs"/>
+              </a:defRPr>
+            </a:lvl4pPr>
+            <a:lvl5pPr marL="2176163" indent="-316533" algn="l" defTabSz="3038715" rtl="0" eaLnBrk="1" latinLnBrk="0" hangingPunct="1">
+              <a:spcBef>
+                <a:spcPct val="20000"/>
+              </a:spcBef>
+              <a:buFont typeface="Arial" pitchFamily="34" charset="0"/>
+              <a:buChar char="»"/>
+              <a:defRPr sz="1700" kern="1200">
+                <a:solidFill>
+                  <a:schemeClr val="tx1"/>
+                </a:solidFill>
+                <a:latin typeface="Trebuchet MS" pitchFamily="34" charset="0"/>
+                <a:ea typeface="+mn-ea"/>
+                <a:cs typeface="+mn-cs"/>
+              </a:defRPr>
+            </a:lvl5pPr>
+            <a:lvl6pPr marL="8356465" indent="-759679" algn="l" defTabSz="3038715" rtl="0" eaLnBrk="1" latinLnBrk="0" hangingPunct="1">
+              <a:spcBef>
+                <a:spcPct val="20000"/>
+              </a:spcBef>
+              <a:buFont typeface="Arial" pitchFamily="34" charset="0"/>
+              <a:buChar char="•"/>
+              <a:defRPr sz="6700" kern="1200">
+                <a:solidFill>
+                  <a:schemeClr val="tx1"/>
+                </a:solidFill>
+                <a:latin typeface="+mn-lt"/>
+                <a:ea typeface="+mn-ea"/>
+                <a:cs typeface="+mn-cs"/>
+              </a:defRPr>
+            </a:lvl6pPr>
+            <a:lvl7pPr marL="9875821" indent="-759679" algn="l" defTabSz="3038715" rtl="0" eaLnBrk="1" latinLnBrk="0" hangingPunct="1">
+              <a:spcBef>
+                <a:spcPct val="20000"/>
+              </a:spcBef>
+              <a:buFont typeface="Arial" pitchFamily="34" charset="0"/>
+              <a:buChar char="•"/>
+              <a:defRPr sz="6700" kern="1200">
+                <a:solidFill>
+                  <a:schemeClr val="tx1"/>
+                </a:solidFill>
+                <a:latin typeface="+mn-lt"/>
+                <a:ea typeface="+mn-ea"/>
+                <a:cs typeface="+mn-cs"/>
+              </a:defRPr>
+            </a:lvl7pPr>
+            <a:lvl8pPr marL="11395179" indent="-759679" algn="l" defTabSz="3038715" rtl="0" eaLnBrk="1" latinLnBrk="0" hangingPunct="1">
+              <a:spcBef>
+                <a:spcPct val="20000"/>
+              </a:spcBef>
+              <a:buFont typeface="Arial" pitchFamily="34" charset="0"/>
+              <a:buChar char="•"/>
+              <a:defRPr sz="6700" kern="1200">
+                <a:solidFill>
+                  <a:schemeClr val="tx1"/>
+                </a:solidFill>
+                <a:latin typeface="+mn-lt"/>
+                <a:ea typeface="+mn-ea"/>
+                <a:cs typeface="+mn-cs"/>
+              </a:defRPr>
+            </a:lvl8pPr>
+            <a:lvl9pPr marL="12914537" indent="-759679" algn="l" defTabSz="3038715" rtl="0" eaLnBrk="1" latinLnBrk="0" hangingPunct="1">
+              <a:spcBef>
+                <a:spcPct val="20000"/>
+              </a:spcBef>
+              <a:buFont typeface="Arial" pitchFamily="34" charset="0"/>
+              <a:buChar char="•"/>
+              <a:defRPr sz="6700" kern="1200">
+                <a:solidFill>
+                  <a:schemeClr val="tx1"/>
+                </a:solidFill>
+                <a:latin typeface="+mn-lt"/>
+                <a:ea typeface="+mn-ea"/>
+                <a:cs typeface="+mn-cs"/>
+              </a:defRPr>
+            </a:lvl9pPr>
+          </a:lstStyle>
+          <a:p>
+            <a:pPr algn="just"/>
+            <a:r>
+              <a:rPr lang="en-GB" kern="100" dirty="0">
+                <a:latin typeface="Arial" panose="020B0604020202020204" pitchFamily="34" charset="0"/>
+                <a:cs typeface="Arial" panose="020B0604020202020204" pitchFamily="34" charset="0"/>
+              </a:rPr>
+              <a:t>The Random Forest Regressor with PCA showed more promise, capturing more complex relationships between the features and returns. However, this model exhibited a higher mean error and an R² of around 0.57, indicating room for improvement. Residual analysis revealed issues during periods of high volatility, suggesting that the model may not be entirely reliable in turbulent market conditions.</a:t>
+            </a:r>
+          </a:p>
+          <a:p>
+            <a:endParaRPr lang="en-GB" sz="2800" kern="100" dirty="0">
+              <a:latin typeface="Arial" panose="020B0604020202020204" pitchFamily="34" charset="0"/>
+            </a:endParaRPr>
+          </a:p>
+        </p:txBody>
+      </p:sp>
+      <p:sp>
+        <p:nvSpPr>
+          <p:cNvPr id="25" name="Text Placeholder 4">
+            <a:extLst>
+              <a:ext uri="{FF2B5EF4-FFF2-40B4-BE49-F238E27FC236}">
+                <a16:creationId xmlns:a16="http://schemas.microsoft.com/office/drawing/2014/main" id="{81449285-033E-D0C1-DA23-AD9CAAF8B4D4}"/>
+              </a:ext>
+            </a:extLst>
+          </p:cNvPr>
+          <p:cNvSpPr>
+            <a:spLocks noGrp="1"/>
+          </p:cNvSpPr>
+          <p:nvPr>
+            <p:ph type="body" sz="quarter" idx="25"/>
+          </p:nvPr>
+        </p:nvSpPr>
+        <p:spPr>
+          <a:xfrm>
+            <a:off x="304080" y="16939221"/>
+            <a:ext cx="10093325" cy="566738"/>
+          </a:xfrm>
+        </p:spPr>
+        <p:txBody>
+          <a:bodyPr/>
+          <a:lstStyle/>
+          <a:p>
+            <a:r>
+              <a:rPr lang="en-US" sz="3200" dirty="0"/>
+              <a:t>RESULTS</a:t>
+            </a:r>
+          </a:p>
+        </p:txBody>
+      </p:sp>
+      <p:sp>
+        <p:nvSpPr>
+          <p:cNvPr id="26" name="Text Placeholder 8">
+            <a:extLst>
+              <a:ext uri="{FF2B5EF4-FFF2-40B4-BE49-F238E27FC236}">
+                <a16:creationId xmlns:a16="http://schemas.microsoft.com/office/drawing/2014/main" id="{D8880002-446B-32D7-530F-A5387A3099E8}"/>
+              </a:ext>
+            </a:extLst>
+          </p:cNvPr>
+          <p:cNvSpPr txBox="1">
+            <a:spLocks/>
+          </p:cNvSpPr>
+          <p:nvPr/>
+        </p:nvSpPr>
+        <p:spPr>
+          <a:xfrm>
+            <a:off x="11154572" y="11367371"/>
+            <a:ext cx="9962037" cy="620293"/>
+          </a:xfrm>
+          <a:prstGeom prst="rect">
+            <a:avLst/>
+          </a:prstGeom>
+          <a:solidFill>
+            <a:schemeClr val="accent5">
+              <a:lumMod val="50000"/>
+            </a:schemeClr>
+          </a:solidFill>
+        </p:spPr>
+        <p:txBody>
+          <a:bodyPr wrap="square" lIns="63307" tIns="63307" rIns="63307" bIns="63307" anchor="t" anchorCtr="0">
+            <a:spAutoFit/>
+          </a:bodyPr>
+          <a:lstStyle>
+            <a:lvl1pPr marL="0" indent="0" algn="ctr" defTabSz="3038715" rtl="0" eaLnBrk="1" latinLnBrk="0" hangingPunct="1">
+              <a:spcBef>
+                <a:spcPct val="20000"/>
+              </a:spcBef>
+              <a:buFont typeface="Arial" pitchFamily="34" charset="0"/>
+              <a:buNone/>
+              <a:defRPr sz="2800" b="1" u="none" kern="1200" baseline="0">
+                <a:solidFill>
+                  <a:schemeClr val="bg1"/>
+                </a:solidFill>
+                <a:latin typeface="Century Gothic" panose="020B0502020202020204" pitchFamily="34" charset="0"/>
+                <a:ea typeface="+mn-ea"/>
+                <a:cs typeface="+mn-cs"/>
+              </a:defRPr>
+            </a:lvl1pPr>
+            <a:lvl2pPr marL="2468955" indent="-949598" algn="l" defTabSz="3038715" rtl="0" eaLnBrk="1" latinLnBrk="0" hangingPunct="1">
+              <a:spcBef>
+                <a:spcPct val="20000"/>
+              </a:spcBef>
+              <a:buFont typeface="Arial" pitchFamily="34" charset="0"/>
+              <a:buChar char="–"/>
+              <a:defRPr sz="9400" kern="1200">
+                <a:solidFill>
+                  <a:schemeClr val="tx1"/>
+                </a:solidFill>
+                <a:latin typeface="+mn-lt"/>
+                <a:ea typeface="+mn-ea"/>
+                <a:cs typeface="+mn-cs"/>
+              </a:defRPr>
+            </a:lvl2pPr>
+            <a:lvl3pPr marL="3798394" indent="-759679" algn="l" defTabSz="3038715" rtl="0" eaLnBrk="1" latinLnBrk="0" hangingPunct="1">
+              <a:spcBef>
+                <a:spcPct val="20000"/>
+              </a:spcBef>
+              <a:buFont typeface="Arial" pitchFamily="34" charset="0"/>
+              <a:buChar char="•"/>
+              <a:defRPr sz="8000" kern="1200">
+                <a:solidFill>
+                  <a:schemeClr val="tx1"/>
+                </a:solidFill>
+                <a:latin typeface="+mn-lt"/>
+                <a:ea typeface="+mn-ea"/>
+                <a:cs typeface="+mn-cs"/>
+              </a:defRPr>
+            </a:lvl3pPr>
+            <a:lvl4pPr marL="5317751" indent="-759679" algn="l" defTabSz="3038715" rtl="0" eaLnBrk="1" latinLnBrk="0" hangingPunct="1">
+              <a:spcBef>
+                <a:spcPct val="20000"/>
+              </a:spcBef>
+              <a:buFont typeface="Arial" pitchFamily="34" charset="0"/>
+              <a:buChar char="–"/>
+              <a:defRPr sz="6700" kern="1200">
+                <a:solidFill>
+                  <a:schemeClr val="tx1"/>
+                </a:solidFill>
+                <a:latin typeface="+mn-lt"/>
+                <a:ea typeface="+mn-ea"/>
+                <a:cs typeface="+mn-cs"/>
+              </a:defRPr>
+            </a:lvl4pPr>
+            <a:lvl5pPr marL="6837107" indent="-759679" algn="l" defTabSz="3038715" rtl="0" eaLnBrk="1" latinLnBrk="0" hangingPunct="1">
+              <a:spcBef>
+                <a:spcPct val="20000"/>
+              </a:spcBef>
+              <a:buFont typeface="Arial" pitchFamily="34" charset="0"/>
+              <a:buChar char="»"/>
+              <a:defRPr sz="6700" kern="1200">
+                <a:solidFill>
+                  <a:schemeClr val="tx1"/>
+                </a:solidFill>
+                <a:latin typeface="+mn-lt"/>
+                <a:ea typeface="+mn-ea"/>
+                <a:cs typeface="+mn-cs"/>
+              </a:defRPr>
+            </a:lvl5pPr>
+            <a:lvl6pPr marL="8356465" indent="-759679" algn="l" defTabSz="3038715" rtl="0" eaLnBrk="1" latinLnBrk="0" hangingPunct="1">
+              <a:spcBef>
+                <a:spcPct val="20000"/>
+              </a:spcBef>
+              <a:buFont typeface="Arial" pitchFamily="34" charset="0"/>
+              <a:buChar char="•"/>
+              <a:defRPr sz="6700" kern="1200">
+                <a:solidFill>
+                  <a:schemeClr val="tx1"/>
+                </a:solidFill>
+                <a:latin typeface="+mn-lt"/>
+                <a:ea typeface="+mn-ea"/>
+                <a:cs typeface="+mn-cs"/>
+              </a:defRPr>
+            </a:lvl6pPr>
+            <a:lvl7pPr marL="9875821" indent="-759679" algn="l" defTabSz="3038715" rtl="0" eaLnBrk="1" latinLnBrk="0" hangingPunct="1">
+              <a:spcBef>
+                <a:spcPct val="20000"/>
+              </a:spcBef>
+              <a:buFont typeface="Arial" pitchFamily="34" charset="0"/>
+              <a:buChar char="•"/>
+              <a:defRPr sz="6700" kern="1200">
+                <a:solidFill>
+                  <a:schemeClr val="tx1"/>
+                </a:solidFill>
+                <a:latin typeface="+mn-lt"/>
+                <a:ea typeface="+mn-ea"/>
+                <a:cs typeface="+mn-cs"/>
+              </a:defRPr>
+            </a:lvl7pPr>
+            <a:lvl8pPr marL="11395179" indent="-759679" algn="l" defTabSz="3038715" rtl="0" eaLnBrk="1" latinLnBrk="0" hangingPunct="1">
+              <a:spcBef>
+                <a:spcPct val="20000"/>
+              </a:spcBef>
+              <a:buFont typeface="Arial" pitchFamily="34" charset="0"/>
+              <a:buChar char="•"/>
+              <a:defRPr sz="6700" kern="1200">
+                <a:solidFill>
+                  <a:schemeClr val="tx1"/>
+                </a:solidFill>
+                <a:latin typeface="+mn-lt"/>
+                <a:ea typeface="+mn-ea"/>
+                <a:cs typeface="+mn-cs"/>
+              </a:defRPr>
+            </a:lvl8pPr>
+            <a:lvl9pPr marL="12914537" indent="-759679" algn="l" defTabSz="3038715" rtl="0" eaLnBrk="1" latinLnBrk="0" hangingPunct="1">
+              <a:spcBef>
+                <a:spcPct val="20000"/>
+              </a:spcBef>
+              <a:buFont typeface="Arial" pitchFamily="34" charset="0"/>
+              <a:buChar char="•"/>
+              <a:defRPr sz="6700" kern="1200">
+                <a:solidFill>
+                  <a:schemeClr val="tx1"/>
+                </a:solidFill>
+                <a:latin typeface="+mn-lt"/>
+                <a:ea typeface="+mn-ea"/>
+                <a:cs typeface="+mn-cs"/>
+              </a:defRPr>
+            </a:lvl9pPr>
+          </a:lstStyle>
+          <a:p>
+            <a:r>
+              <a:rPr lang="en-US" sz="3200" dirty="0"/>
+              <a:t>CONCLUSION</a:t>
+            </a:r>
+          </a:p>
+        </p:txBody>
+      </p:sp>
+      <p:sp>
+        <p:nvSpPr>
+          <p:cNvPr id="31" name="Text Placeholder 16">
+            <a:extLst>
+              <a:ext uri="{FF2B5EF4-FFF2-40B4-BE49-F238E27FC236}">
+                <a16:creationId xmlns:a16="http://schemas.microsoft.com/office/drawing/2014/main" id="{EFD49D77-D383-3E1B-8F79-3292E25AFC27}"/>
+              </a:ext>
+            </a:extLst>
+          </p:cNvPr>
+          <p:cNvSpPr txBox="1">
+            <a:spLocks/>
+          </p:cNvSpPr>
+          <p:nvPr/>
+        </p:nvSpPr>
+        <p:spPr>
+          <a:xfrm>
+            <a:off x="11154572" y="12412706"/>
+            <a:ext cx="9747938" cy="5482064"/>
+          </a:xfrm>
+          <a:prstGeom prst="rect">
+            <a:avLst/>
+          </a:prstGeom>
+        </p:spPr>
+        <p:txBody>
+          <a:bodyPr wrap="square" lIns="158267" tIns="158267" rIns="158267" bIns="158267" anchor="t" anchorCtr="0">
+            <a:spAutoFit/>
+          </a:bodyPr>
+          <a:lstStyle>
+            <a:lvl1pPr marL="0" indent="0" algn="l" defTabSz="3038715" rtl="0" eaLnBrk="1" latinLnBrk="0" hangingPunct="1">
+              <a:spcBef>
+                <a:spcPct val="20000"/>
+              </a:spcBef>
+              <a:buFont typeface="Arial" pitchFamily="34" charset="0"/>
+              <a:buNone/>
+              <a:defRPr sz="2000" kern="1200">
+                <a:solidFill>
+                  <a:schemeClr val="accent5">
+                    <a:lumMod val="50000"/>
+                  </a:schemeClr>
+                </a:solidFill>
+                <a:latin typeface="Century Gothic" panose="020B0502020202020204" pitchFamily="34" charset="0"/>
+                <a:ea typeface="+mn-ea"/>
+                <a:cs typeface="Times New Roman" panose="02020603050405020304" pitchFamily="18" charset="0"/>
+              </a:defRPr>
+            </a:lvl1pPr>
+            <a:lvl2pPr marL="1028732" indent="-395666" algn="l" defTabSz="3038715" rtl="0" eaLnBrk="1" latinLnBrk="0" hangingPunct="1">
+              <a:spcBef>
+                <a:spcPct val="20000"/>
+              </a:spcBef>
+              <a:buFont typeface="Arial" pitchFamily="34" charset="0"/>
+              <a:buChar char="–"/>
+              <a:defRPr sz="1700" kern="1200">
+                <a:solidFill>
+                  <a:schemeClr val="tx1"/>
+                </a:solidFill>
+                <a:latin typeface="Trebuchet MS" pitchFamily="34" charset="0"/>
+                <a:ea typeface="+mn-ea"/>
+                <a:cs typeface="+mn-cs"/>
+              </a:defRPr>
+            </a:lvl2pPr>
+            <a:lvl3pPr marL="1424397" indent="-395666" algn="l" defTabSz="3038715" rtl="0" eaLnBrk="1" latinLnBrk="0" hangingPunct="1">
+              <a:spcBef>
+                <a:spcPct val="20000"/>
+              </a:spcBef>
+              <a:buFont typeface="Arial" pitchFamily="34" charset="0"/>
+              <a:buChar char="•"/>
+              <a:defRPr sz="1700" kern="1200">
+                <a:solidFill>
+                  <a:schemeClr val="tx1"/>
+                </a:solidFill>
+                <a:latin typeface="Trebuchet MS" pitchFamily="34" charset="0"/>
+                <a:ea typeface="+mn-ea"/>
+                <a:cs typeface="+mn-cs"/>
+              </a:defRPr>
+            </a:lvl3pPr>
+            <a:lvl4pPr marL="1859630" indent="-435233" algn="l" defTabSz="3038715" rtl="0" eaLnBrk="1" latinLnBrk="0" hangingPunct="1">
+              <a:spcBef>
+                <a:spcPct val="20000"/>
+              </a:spcBef>
+              <a:buFont typeface="Arial" pitchFamily="34" charset="0"/>
+              <a:buChar char="–"/>
+              <a:defRPr sz="1700" kern="1200">
+                <a:solidFill>
+                  <a:schemeClr val="tx1"/>
+                </a:solidFill>
+                <a:latin typeface="Trebuchet MS" pitchFamily="34" charset="0"/>
+                <a:ea typeface="+mn-ea"/>
+                <a:cs typeface="+mn-cs"/>
+              </a:defRPr>
+            </a:lvl4pPr>
+            <a:lvl5pPr marL="2176163" indent="-316533" algn="l" defTabSz="3038715" rtl="0" eaLnBrk="1" latinLnBrk="0" hangingPunct="1">
+              <a:spcBef>
+                <a:spcPct val="20000"/>
+              </a:spcBef>
+              <a:buFont typeface="Arial" pitchFamily="34" charset="0"/>
+              <a:buChar char="»"/>
+              <a:defRPr sz="1700" kern="1200">
+                <a:solidFill>
+                  <a:schemeClr val="tx1"/>
+                </a:solidFill>
+                <a:latin typeface="Trebuchet MS" pitchFamily="34" charset="0"/>
+                <a:ea typeface="+mn-ea"/>
+                <a:cs typeface="+mn-cs"/>
+              </a:defRPr>
+            </a:lvl5pPr>
+            <a:lvl6pPr marL="8356465" indent="-759679" algn="l" defTabSz="3038715" rtl="0" eaLnBrk="1" latinLnBrk="0" hangingPunct="1">
+              <a:spcBef>
+                <a:spcPct val="20000"/>
+              </a:spcBef>
+              <a:buFont typeface="Arial" pitchFamily="34" charset="0"/>
+              <a:buChar char="•"/>
+              <a:defRPr sz="6700" kern="1200">
+                <a:solidFill>
+                  <a:schemeClr val="tx1"/>
+                </a:solidFill>
+                <a:latin typeface="+mn-lt"/>
+                <a:ea typeface="+mn-ea"/>
+                <a:cs typeface="+mn-cs"/>
+              </a:defRPr>
+            </a:lvl6pPr>
+            <a:lvl7pPr marL="9875821" indent="-759679" algn="l" defTabSz="3038715" rtl="0" eaLnBrk="1" latinLnBrk="0" hangingPunct="1">
+              <a:spcBef>
+                <a:spcPct val="20000"/>
+              </a:spcBef>
+              <a:buFont typeface="Arial" pitchFamily="34" charset="0"/>
+              <a:buChar char="•"/>
+              <a:defRPr sz="6700" kern="1200">
+                <a:solidFill>
+                  <a:schemeClr val="tx1"/>
+                </a:solidFill>
+                <a:latin typeface="+mn-lt"/>
+                <a:ea typeface="+mn-ea"/>
+                <a:cs typeface="+mn-cs"/>
+              </a:defRPr>
+            </a:lvl7pPr>
+            <a:lvl8pPr marL="11395179" indent="-759679" algn="l" defTabSz="3038715" rtl="0" eaLnBrk="1" latinLnBrk="0" hangingPunct="1">
+              <a:spcBef>
+                <a:spcPct val="20000"/>
+              </a:spcBef>
+              <a:buFont typeface="Arial" pitchFamily="34" charset="0"/>
+              <a:buChar char="•"/>
+              <a:defRPr sz="6700" kern="1200">
+                <a:solidFill>
+                  <a:schemeClr val="tx1"/>
+                </a:solidFill>
+                <a:latin typeface="+mn-lt"/>
+                <a:ea typeface="+mn-ea"/>
+                <a:cs typeface="+mn-cs"/>
+              </a:defRPr>
+            </a:lvl8pPr>
+            <a:lvl9pPr marL="12914537" indent="-759679" algn="l" defTabSz="3038715" rtl="0" eaLnBrk="1" latinLnBrk="0" hangingPunct="1">
+              <a:spcBef>
+                <a:spcPct val="20000"/>
+              </a:spcBef>
+              <a:buFont typeface="Arial" pitchFamily="34" charset="0"/>
+              <a:buChar char="•"/>
+              <a:defRPr sz="6700" kern="1200">
+                <a:solidFill>
+                  <a:schemeClr val="tx1"/>
+                </a:solidFill>
+                <a:latin typeface="+mn-lt"/>
+                <a:ea typeface="+mn-ea"/>
+                <a:cs typeface="+mn-cs"/>
+              </a:defRPr>
+            </a:lvl9pPr>
+          </a:lstStyle>
+          <a:p>
+            <a:pPr algn="just">
+              <a:lnSpc>
+                <a:spcPct val="150000"/>
+              </a:lnSpc>
+              <a:spcAft>
+                <a:spcPts val="800"/>
+              </a:spcAft>
+              <a:tabLst>
+                <a:tab pos="2076450" algn="l"/>
+              </a:tabLst>
+            </a:pPr>
+            <a:r>
+              <a:rPr lang="en-GB" kern="100" dirty="0">
+                <a:latin typeface="Arial" panose="020B0604020202020204" pitchFamily="34" charset="0"/>
+                <a:ea typeface="Aptos" panose="020B0004020202020204" pitchFamily="34" charset="0"/>
+              </a:rPr>
+              <a:t>Based on the results, </a:t>
+            </a:r>
+            <a:r>
+              <a:rPr lang="en-GB" kern="100" dirty="0">
+                <a:effectLst/>
+                <a:latin typeface="Arial" panose="020B0604020202020204" pitchFamily="34" charset="0"/>
+                <a:ea typeface="Aptos" panose="020B0004020202020204" pitchFamily="34" charset="0"/>
+                <a:cs typeface="Times New Roman" panose="02020603050405020304" pitchFamily="18" charset="0"/>
+              </a:rPr>
+              <a:t>further fine-tuning, feature engineering, and model adjustments are necessary to improve accuracy, particularly in high-volatility environments, and to better capture the influence of external factors like weather on market dynamics.</a:t>
+            </a:r>
+            <a:r>
+              <a:rPr lang="en-GB" kern="100" dirty="0">
+                <a:latin typeface="Calibri" panose="020F0502020204030204" pitchFamily="34" charset="0"/>
+                <a:ea typeface="Aptos" panose="020B0004020202020204" pitchFamily="34" charset="0"/>
+              </a:rPr>
+              <a:t> i</a:t>
+            </a:r>
+            <a:r>
+              <a:rPr lang="en-GB" kern="100" dirty="0">
+                <a:effectLst/>
+                <a:latin typeface="Arial" panose="020B0604020202020204" pitchFamily="34" charset="0"/>
+                <a:ea typeface="Aptos" panose="020B0004020202020204" pitchFamily="34" charset="0"/>
+                <a:cs typeface="Times New Roman" panose="02020603050405020304" pitchFamily="18" charset="0"/>
+              </a:rPr>
+              <a:t>t would be valuable to expand the scope by incorporating a broader range of weather variables, considering longer time horizons, and experimenting with different machine learning models. These steps could provide a deeper understanding of the complex relationship between weather and stock market trends. Additionally, segmenting the analysis by geographical regions and incorporating external economic variables may help improve model accuracy and produce more targeted insights.</a:t>
+            </a:r>
+            <a:endParaRPr lang="en-GB" kern="100" dirty="0">
+              <a:effectLst/>
+              <a:latin typeface="Calibri" panose="020F0502020204030204" pitchFamily="34" charset="0"/>
+              <a:ea typeface="Aptos" panose="020B0004020202020204" pitchFamily="34" charset="0"/>
+              <a:cs typeface="Times New Roman" panose="02020603050405020304" pitchFamily="18" charset="0"/>
+            </a:endParaRPr>
+          </a:p>
+          <a:p>
+            <a:endParaRPr lang="en-GB" sz="2400" kern="100" dirty="0">
+              <a:latin typeface="Arial" panose="020B0604020202020204" pitchFamily="34" charset="0"/>
+            </a:endParaRPr>
+          </a:p>
+        </p:txBody>
+      </p:sp>
     </p:spTree>
     <p:extLst>
       <p:ext uri="{BB962C8B-B14F-4D97-AF65-F5344CB8AC3E}">

--- a/PosterPresentation CA3.pptx
+++ b/PosterPresentation CA3.pptx
@@ -7419,7 +7419,7 @@
         </p:blipFill>
         <p:spPr bwMode="auto">
           <a:xfrm>
-            <a:off x="522674" y="25104815"/>
+            <a:off x="522674" y="25024748"/>
             <a:ext cx="9341990" cy="4077320"/>
           </a:xfrm>
           <a:prstGeom prst="rect">
@@ -7460,7 +7460,7 @@
         <p:spPr>
           <a:xfrm>
             <a:off x="1494593" y="19104256"/>
-            <a:ext cx="7703901" cy="4316236"/>
+            <a:ext cx="7703901" cy="4077320"/>
           </a:xfrm>
           <a:prstGeom prst="rect">
             <a:avLst/>
@@ -7527,7 +7527,7 @@
         </p:nvSpPr>
         <p:spPr>
           <a:xfrm>
-            <a:off x="226944" y="23393259"/>
+            <a:off x="326308" y="23181576"/>
             <a:ext cx="10093752" cy="2375573"/>
           </a:xfrm>
           <a:prstGeom prst="rect">
